--- a/Readme.pptx
+++ b/Readme.pptx
@@ -5,17 +5,19 @@
     <p:sldMasterId id="2147483648" r:id="rId1"/>
   </p:sldMasterIdLst>
   <p:notesMasterIdLst>
-    <p:notesMasterId r:id="rId10"/>
+    <p:notesMasterId r:id="rId12"/>
   </p:notesMasterIdLst>
   <p:sldIdLst>
     <p:sldId id="256" r:id="rId2"/>
-    <p:sldId id="257" r:id="rId3"/>
-    <p:sldId id="259" r:id="rId4"/>
-    <p:sldId id="260" r:id="rId5"/>
-    <p:sldId id="261" r:id="rId6"/>
-    <p:sldId id="262" r:id="rId7"/>
-    <p:sldId id="265" r:id="rId8"/>
-    <p:sldId id="263" r:id="rId9"/>
+    <p:sldId id="267" r:id="rId3"/>
+    <p:sldId id="257" r:id="rId4"/>
+    <p:sldId id="266" r:id="rId5"/>
+    <p:sldId id="259" r:id="rId6"/>
+    <p:sldId id="260" r:id="rId7"/>
+    <p:sldId id="261" r:id="rId8"/>
+    <p:sldId id="262" r:id="rId9"/>
+    <p:sldId id="265" r:id="rId10"/>
+    <p:sldId id="263" r:id="rId11"/>
   </p:sldIdLst>
   <p:sldSz cx="12192000" cy="6858000"/>
   <p:notesSz cx="6858000" cy="9144000"/>
@@ -204,7 +206,7 @@
           <a:p>
             <a:fld id="{D009DA90-1D4C-204E-9D92-AE2EB71BFC95}" type="datetimeFigureOut">
               <a:rPr lang="en-US" smtClean="0"/>
-              <a:t>11/15/22</a:t>
+              <a:t>6/2/23</a:t>
             </a:fld>
             <a:endParaRPr lang="en-US"/>
           </a:p>
@@ -600,7 +602,7 @@
           <a:p>
             <a:fld id="{0C1072B2-6F5A-3146-8E3C-CD48B231CC3C}" type="datetimeFigureOut">
               <a:rPr lang="en-US" smtClean="0"/>
-              <a:t>11/15/22</a:t>
+              <a:t>6/2/23</a:t>
             </a:fld>
             <a:endParaRPr lang="en-US"/>
           </a:p>
@@ -768,7 +770,7 @@
           <a:p>
             <a:fld id="{0C1072B2-6F5A-3146-8E3C-CD48B231CC3C}" type="datetimeFigureOut">
               <a:rPr lang="en-US" smtClean="0"/>
-              <a:t>11/15/22</a:t>
+              <a:t>6/2/23</a:t>
             </a:fld>
             <a:endParaRPr lang="en-US"/>
           </a:p>
@@ -946,7 +948,7 @@
           <a:p>
             <a:fld id="{0C1072B2-6F5A-3146-8E3C-CD48B231CC3C}" type="datetimeFigureOut">
               <a:rPr lang="en-US" smtClean="0"/>
-              <a:t>11/15/22</a:t>
+              <a:t>6/2/23</a:t>
             </a:fld>
             <a:endParaRPr lang="en-US"/>
           </a:p>
@@ -1114,7 +1116,7 @@
           <a:p>
             <a:fld id="{0C1072B2-6F5A-3146-8E3C-CD48B231CC3C}" type="datetimeFigureOut">
               <a:rPr lang="en-US" smtClean="0"/>
-              <a:t>11/15/22</a:t>
+              <a:t>6/2/23</a:t>
             </a:fld>
             <a:endParaRPr lang="en-US"/>
           </a:p>
@@ -1359,7 +1361,7 @@
           <a:p>
             <a:fld id="{0C1072B2-6F5A-3146-8E3C-CD48B231CC3C}" type="datetimeFigureOut">
               <a:rPr lang="en-US" smtClean="0"/>
-              <a:t>11/15/22</a:t>
+              <a:t>6/2/23</a:t>
             </a:fld>
             <a:endParaRPr lang="en-US"/>
           </a:p>
@@ -1588,7 +1590,7 @@
           <a:p>
             <a:fld id="{0C1072B2-6F5A-3146-8E3C-CD48B231CC3C}" type="datetimeFigureOut">
               <a:rPr lang="en-US" smtClean="0"/>
-              <a:t>11/15/22</a:t>
+              <a:t>6/2/23</a:t>
             </a:fld>
             <a:endParaRPr lang="en-US"/>
           </a:p>
@@ -1952,7 +1954,7 @@
           <a:p>
             <a:fld id="{0C1072B2-6F5A-3146-8E3C-CD48B231CC3C}" type="datetimeFigureOut">
               <a:rPr lang="en-US" smtClean="0"/>
-              <a:t>11/15/22</a:t>
+              <a:t>6/2/23</a:t>
             </a:fld>
             <a:endParaRPr lang="en-US"/>
           </a:p>
@@ -2069,7 +2071,7 @@
           <a:p>
             <a:fld id="{0C1072B2-6F5A-3146-8E3C-CD48B231CC3C}" type="datetimeFigureOut">
               <a:rPr lang="en-US" smtClean="0"/>
-              <a:t>11/15/22</a:t>
+              <a:t>6/2/23</a:t>
             </a:fld>
             <a:endParaRPr lang="en-US"/>
           </a:p>
@@ -2164,7 +2166,7 @@
           <a:p>
             <a:fld id="{0C1072B2-6F5A-3146-8E3C-CD48B231CC3C}" type="datetimeFigureOut">
               <a:rPr lang="en-US" smtClean="0"/>
-              <a:t>11/15/22</a:t>
+              <a:t>6/2/23</a:t>
             </a:fld>
             <a:endParaRPr lang="en-US"/>
           </a:p>
@@ -2439,7 +2441,7 @@
           <a:p>
             <a:fld id="{0C1072B2-6F5A-3146-8E3C-CD48B231CC3C}" type="datetimeFigureOut">
               <a:rPr lang="en-US" smtClean="0"/>
-              <a:t>11/15/22</a:t>
+              <a:t>6/2/23</a:t>
             </a:fld>
             <a:endParaRPr lang="en-US"/>
           </a:p>
@@ -2691,7 +2693,7 @@
           <a:p>
             <a:fld id="{0C1072B2-6F5A-3146-8E3C-CD48B231CC3C}" type="datetimeFigureOut">
               <a:rPr lang="en-US" smtClean="0"/>
-              <a:t>11/15/22</a:t>
+              <a:t>6/2/23</a:t>
             </a:fld>
             <a:endParaRPr lang="en-US"/>
           </a:p>
@@ -2902,7 +2904,7 @@
           <a:p>
             <a:fld id="{0C1072B2-6F5A-3146-8E3C-CD48B231CC3C}" type="datetimeFigureOut">
               <a:rPr lang="en-US" smtClean="0"/>
-              <a:t>11/15/22</a:t>
+              <a:t>6/2/23</a:t>
             </a:fld>
             <a:endParaRPr lang="en-US"/>
           </a:p>
@@ -3412,6 +3414,91 @@
 </p:sld>
 </file>
 
+<file path=ppt/slides/slide10.xml><?xml version="1.0" encoding="utf-8"?>
+<p:sld xmlns:a="http://schemas.openxmlformats.org/drawingml/2006/main" xmlns:r="http://schemas.openxmlformats.org/officeDocument/2006/relationships" xmlns:p="http://schemas.openxmlformats.org/presentationml/2006/main">
+  <p:cSld>
+    <p:spTree>
+      <p:nvGrpSpPr>
+        <p:cNvPr id="1" name=""/>
+        <p:cNvGrpSpPr/>
+        <p:nvPr/>
+      </p:nvGrpSpPr>
+      <p:grpSpPr>
+        <a:xfrm>
+          <a:off x="0" y="0"/>
+          <a:ext cx="0" cy="0"/>
+          <a:chOff x="0" y="0"/>
+          <a:chExt cx="0" cy="0"/>
+        </a:xfrm>
+      </p:grpSpPr>
+      <p:sp>
+        <p:nvSpPr>
+          <p:cNvPr id="2" name="Title 1"/>
+          <p:cNvSpPr>
+            <a:spLocks noGrp="1"/>
+          </p:cNvSpPr>
+          <p:nvPr>
+            <p:ph type="title"/>
+          </p:nvPr>
+        </p:nvSpPr>
+        <p:spPr/>
+        <p:txBody>
+          <a:bodyPr/>
+          <a:lstStyle/>
+          <a:p>
+            <a:r>
+              <a:rPr lang="en-US" dirty="0"/>
+              <a:t>Step 6 Printing the fitness </a:t>
+            </a:r>
+            <a:r>
+              <a:rPr lang="en-US"/>
+              <a:t>values obtained </a:t>
+            </a:r>
+            <a:r>
+              <a:rPr lang="en-US" dirty="0"/>
+              <a:t>over 75 iterations</a:t>
+            </a:r>
+          </a:p>
+        </p:txBody>
+      </p:sp>
+      <p:sp>
+        <p:nvSpPr>
+          <p:cNvPr id="3" name="Content Placeholder 2"/>
+          <p:cNvSpPr>
+            <a:spLocks noGrp="1"/>
+          </p:cNvSpPr>
+          <p:nvPr>
+            <p:ph idx="1"/>
+          </p:nvPr>
+        </p:nvSpPr>
+        <p:spPr/>
+        <p:txBody>
+          <a:bodyPr/>
+          <a:lstStyle/>
+          <a:p>
+            <a:r>
+              <a:rPr lang="en-US" dirty="0"/>
+              <a:t>The fitness values computed over all the iterations are ready to be plotted in a graph.</a:t>
+            </a:r>
+          </a:p>
+          <a:p>
+            <a:endParaRPr lang="en-US" dirty="0"/>
+          </a:p>
+        </p:txBody>
+      </p:sp>
+    </p:spTree>
+    <p:extLst>
+      <p:ext uri="{BB962C8B-B14F-4D97-AF65-F5344CB8AC3E}">
+        <p14:creationId xmlns:p14="http://schemas.microsoft.com/office/powerpoint/2010/main" val="1269319107"/>
+      </p:ext>
+    </p:extLst>
+  </p:cSld>
+  <p:clrMapOvr>
+    <a:masterClrMapping/>
+  </p:clrMapOvr>
+</p:sld>
+</file>
+
 <file path=ppt/slides/slide2.xml><?xml version="1.0" encoding="utf-8"?>
 <p:sld xmlns:a="http://schemas.openxmlformats.org/drawingml/2006/main" xmlns:r="http://schemas.openxmlformats.org/officeDocument/2006/relationships" xmlns:p="http://schemas.openxmlformats.org/presentationml/2006/main">
   <p:cSld>
@@ -3431,7 +3518,13 @@
       </p:grpSpPr>
       <p:sp>
         <p:nvSpPr>
-          <p:cNvPr id="2" name="Title 1"/>
+          <p:cNvPr id="2" name="Title 1">
+            <a:extLst>
+              <a:ext uri="{FF2B5EF4-FFF2-40B4-BE49-F238E27FC236}">
+                <a16:creationId xmlns:a16="http://schemas.microsoft.com/office/drawing/2014/main" id="{B263CFD9-7009-534E-8E3E-8B9661E15FE8}"/>
+              </a:ext>
+            </a:extLst>
+          </p:cNvPr>
           <p:cNvSpPr>
             <a:spLocks noGrp="1"/>
           </p:cNvSpPr>
@@ -3446,203 +3539,91 @@
           <a:p>
             <a:r>
               <a:rPr lang="en-US" dirty="0"/>
-              <a:t>Sets of python files</a:t>
-            </a:r>
-          </a:p>
-        </p:txBody>
-      </p:sp>
-      <p:sp>
-        <p:nvSpPr>
-          <p:cNvPr id="3" name="Content Placeholder 2"/>
-          <p:cNvSpPr>
-            <a:spLocks noGrp="1"/>
-          </p:cNvSpPr>
-          <p:nvPr>
-            <p:ph idx="1"/>
-          </p:nvPr>
-        </p:nvSpPr>
-        <p:spPr/>
-        <p:txBody>
-          <a:bodyPr>
-            <a:normAutofit fontScale="92500" lnSpcReduction="20000"/>
+              <a:t>Schematic</a:t>
+            </a:r>
+          </a:p>
+        </p:txBody>
+      </p:sp>
+      <p:pic>
+        <p:nvPicPr>
+          <p:cNvPr id="4" name="Picture 3">
+            <a:extLst>
+              <a:ext uri="{FF2B5EF4-FFF2-40B4-BE49-F238E27FC236}">
+                <a16:creationId xmlns:a16="http://schemas.microsoft.com/office/drawing/2014/main" id="{77C47B13-3B22-5D4B-8AD1-981181CAFEC0}"/>
+              </a:ext>
+            </a:extLst>
+          </p:cNvPr>
+          <p:cNvPicPr>
+            <a:picLocks noChangeAspect="1"/>
+          </p:cNvPicPr>
+          <p:nvPr/>
+        </p:nvPicPr>
+        <p:blipFill>
+          <a:blip r:embed="rId2"/>
+          <a:stretch>
+            <a:fillRect/>
+          </a:stretch>
+        </p:blipFill>
+        <p:spPr>
+          <a:xfrm>
+            <a:off x="2459181" y="1446472"/>
+            <a:ext cx="6490855" cy="4203010"/>
+          </a:xfrm>
+          <a:prstGeom prst="rect">
+            <a:avLst/>
+          </a:prstGeom>
+        </p:spPr>
+      </p:pic>
+      <p:sp>
+        <p:nvSpPr>
+          <p:cNvPr id="5" name="TextBox 4">
+            <a:extLst>
+              <a:ext uri="{FF2B5EF4-FFF2-40B4-BE49-F238E27FC236}">
+                <a16:creationId xmlns:a16="http://schemas.microsoft.com/office/drawing/2014/main" id="{EE820CBF-219F-8747-987B-35962E7AA1E1}"/>
+              </a:ext>
+            </a:extLst>
+          </p:cNvPr>
+          <p:cNvSpPr txBox="1"/>
+          <p:nvPr/>
+        </p:nvSpPr>
+        <p:spPr>
+          <a:xfrm>
+            <a:off x="180108" y="5957455"/>
+            <a:ext cx="11513127" cy="923330"/>
+          </a:xfrm>
+          <a:prstGeom prst="rect">
+            <a:avLst/>
+          </a:prstGeom>
+          <a:noFill/>
+        </p:spPr>
+        <p:txBody>
+          <a:bodyPr wrap="square" rtlCol="0">
+            <a:spAutoFit/>
           </a:bodyPr>
           <a:lstStyle/>
           <a:p>
             <a:r>
-              <a:rPr lang="en-US" dirty="0" err="1"/>
-              <a:t>bo_GPR_script.py</a:t>
-            </a:r>
+              <a:rPr lang="en-IN" dirty="0"/>
+              <a:t>P.S. Ramesh and Patra, </a:t>
+            </a:r>
+            <a:r>
+              <a:rPr lang="en-IN" dirty="0" err="1"/>
+              <a:t>Tarak</a:t>
+            </a:r>
+            <a:r>
+              <a:rPr lang="en-IN" dirty="0"/>
+              <a:t> K (2023), “Polymer sequence design via molecular simulation‐based active learning”, Soft Matter, 19, pp. 282‐294. DOI:10.1039/D2SM01193J </a:t>
+            </a:r>
+          </a:p>
+          <a:p>
             <a:endParaRPr lang="en-US" dirty="0"/>
-          </a:p>
-          <a:p>
-            <a:pPr marL="0" indent="0">
-              <a:buNone/>
-            </a:pPr>
-            <a:endParaRPr lang="en-US" dirty="0"/>
-          </a:p>
-          <a:p>
-            <a:r>
-              <a:rPr lang="en-US" dirty="0" err="1"/>
-              <a:t>bo_functions.py</a:t>
-            </a:r>
-            <a:r>
-              <a:rPr lang="en-US" dirty="0"/>
-              <a:t> (with two functions)</a:t>
-            </a:r>
-          </a:p>
-          <a:p>
-            <a:pPr lvl="1"/>
-            <a:r>
-              <a:rPr lang="en-US" dirty="0" err="1"/>
-              <a:t>training_fitness</a:t>
-            </a:r>
-            <a:r>
-              <a:rPr lang="en-US" dirty="0"/>
-              <a:t>(</a:t>
-            </a:r>
-            <a:r>
-              <a:rPr lang="en-US" dirty="0" err="1"/>
-              <a:t>X_initial,n_initial,num_weights</a:t>
-            </a:r>
-            <a:r>
-              <a:rPr lang="en-US" dirty="0"/>
-              <a:t>) – </a:t>
-            </a:r>
-            <a:r>
-              <a:rPr lang="en-US" i="1" dirty="0"/>
-              <a:t>for initial training data</a:t>
-            </a:r>
-            <a:endParaRPr lang="en-US" dirty="0"/>
-          </a:p>
-          <a:p>
-            <a:pPr lvl="1"/>
-            <a:endParaRPr lang="en-US" dirty="0"/>
-          </a:p>
-          <a:p>
-            <a:pPr lvl="1"/>
-            <a:r>
-              <a:rPr lang="en-US" dirty="0" err="1"/>
-              <a:t>y_query_max_sm</a:t>
-            </a:r>
-            <a:r>
-              <a:rPr lang="en-US" dirty="0"/>
-              <a:t>(</a:t>
-            </a:r>
-            <a:r>
-              <a:rPr lang="en-US" dirty="0" err="1"/>
-              <a:t>X_input,iter_count</a:t>
-            </a:r>
-            <a:r>
-              <a:rPr lang="en-US" dirty="0"/>
-              <a:t>, </a:t>
-            </a:r>
-            <a:r>
-              <a:rPr lang="en-US" dirty="0" err="1"/>
-              <a:t>num_weights</a:t>
-            </a:r>
-            <a:r>
-              <a:rPr lang="en-US" dirty="0"/>
-              <a:t>)–</a:t>
-            </a:r>
-            <a:r>
-              <a:rPr lang="en-US" i="1" dirty="0"/>
-              <a:t> for computation over each iteration (for </a:t>
-            </a:r>
-            <a:r>
-              <a:rPr lang="en-US" i="1" dirty="0" err="1"/>
-              <a:t>AvgRg</a:t>
-            </a:r>
-            <a:r>
-              <a:rPr lang="en-US" i="1" dirty="0"/>
-              <a:t> minimization)</a:t>
-            </a:r>
-          </a:p>
-          <a:p>
-            <a:pPr lvl="1"/>
-            <a:endParaRPr lang="en-US" i="1" dirty="0"/>
-          </a:p>
-          <a:p>
-            <a:pPr lvl="1"/>
-            <a:r>
-              <a:rPr lang="en-US" i="1" dirty="0" err="1"/>
-              <a:t>apply_single_mutation</a:t>
-            </a:r>
-            <a:r>
-              <a:rPr lang="en-US" i="1" dirty="0"/>
-              <a:t>(</a:t>
-            </a:r>
-            <a:r>
-              <a:rPr lang="en-US" i="1" dirty="0" err="1"/>
-              <a:t>oned_array_initial</a:t>
-            </a:r>
-            <a:r>
-              <a:rPr lang="en-US" i="1" dirty="0"/>
-              <a:t>, </a:t>
-            </a:r>
-            <a:r>
-              <a:rPr lang="en-US" i="1" dirty="0" err="1"/>
-              <a:t>num_weights</a:t>
-            </a:r>
-            <a:r>
-              <a:rPr lang="en-US" i="1" dirty="0"/>
-              <a:t>) – for </a:t>
-            </a:r>
-            <a:r>
-              <a:rPr lang="en-US" i="1" dirty="0" err="1"/>
-              <a:t>performining</a:t>
-            </a:r>
-            <a:r>
-              <a:rPr lang="en-US" i="1" dirty="0"/>
-              <a:t> the swapping of As and </a:t>
-            </a:r>
-            <a:r>
-              <a:rPr lang="en-US" i="1" dirty="0" err="1"/>
-              <a:t>Bs</a:t>
-            </a:r>
-            <a:r>
-              <a:rPr lang="en-US" i="1" dirty="0"/>
-              <a:t> at a particular location</a:t>
-            </a:r>
-          </a:p>
-          <a:p>
-            <a:pPr marL="457200" lvl="1" indent="0">
-              <a:buNone/>
-            </a:pPr>
-            <a:endParaRPr lang="en-US" i="1" dirty="0"/>
-          </a:p>
-          <a:p>
-            <a:pPr lvl="1"/>
-            <a:r>
-              <a:rPr lang="en-US" i="1" dirty="0" err="1"/>
-              <a:t>calc_cand_sm</a:t>
-            </a:r>
-            <a:r>
-              <a:rPr lang="en-US" i="1" dirty="0"/>
-              <a:t>(</a:t>
-            </a:r>
-            <a:r>
-              <a:rPr lang="en-US" i="1" dirty="0" err="1"/>
-              <a:t>X_initial</a:t>
-            </a:r>
-            <a:r>
-              <a:rPr lang="en-US" i="1" dirty="0"/>
-              <a:t>, </a:t>
-            </a:r>
-            <a:r>
-              <a:rPr lang="en-US" i="1" dirty="0" err="1"/>
-              <a:t>num_weights</a:t>
-            </a:r>
-            <a:r>
-              <a:rPr lang="en-US" i="1" dirty="0"/>
-              <a:t>) – for book-keeping purposes pertaining to the candidate pool</a:t>
-            </a:r>
           </a:p>
         </p:txBody>
       </p:sp>
     </p:spTree>
     <p:extLst>
       <p:ext uri="{BB962C8B-B14F-4D97-AF65-F5344CB8AC3E}">
-        <p14:creationId xmlns:p14="http://schemas.microsoft.com/office/powerpoint/2010/main" val="2118471183"/>
+        <p14:creationId xmlns:p14="http://schemas.microsoft.com/office/powerpoint/2010/main" val="2501275774"/>
       </p:ext>
     </p:extLst>
   </p:cSld>
@@ -3681,89 +3662,200 @@
         </p:nvSpPr>
         <p:spPr/>
         <p:txBody>
+          <a:bodyPr/>
+          <a:lstStyle/>
+          <a:p>
+            <a:r>
+              <a:rPr lang="en-US" dirty="0"/>
+              <a:t>Sets of python files</a:t>
+            </a:r>
+          </a:p>
+        </p:txBody>
+      </p:sp>
+      <p:sp>
+        <p:nvSpPr>
+          <p:cNvPr id="3" name="Content Placeholder 2"/>
+          <p:cNvSpPr>
+            <a:spLocks noGrp="1"/>
+          </p:cNvSpPr>
+          <p:nvPr>
+            <p:ph idx="1"/>
+          </p:nvPr>
+        </p:nvSpPr>
+        <p:spPr/>
+        <p:txBody>
           <a:bodyPr>
-            <a:normAutofit/>
+            <a:normAutofit fontScale="92500" lnSpcReduction="20000"/>
           </a:bodyPr>
           <a:lstStyle/>
           <a:p>
             <a:r>
-              <a:rPr lang="en-US" dirty="0"/>
-              <a:t>Step 2: Defining Initial training set of </a:t>
-            </a:r>
-            <a:r>
-              <a:rPr lang="en-US" dirty="0" err="1"/>
-              <a:t>datapoints</a:t>
-            </a:r>
-            <a:r>
-              <a:rPr lang="en-US" dirty="0"/>
-              <a:t> of </a:t>
-            </a:r>
-            <a:r>
-              <a:rPr lang="en-US" dirty="0" err="1"/>
-              <a:t>N_initial</a:t>
+              <a:rPr lang="en-US" dirty="0" err="1"/>
+              <a:t>bo_GPR_script.py</a:t>
             </a:r>
             <a:endParaRPr lang="en-US" dirty="0"/>
           </a:p>
-        </p:txBody>
-      </p:sp>
-      <p:sp>
-        <p:nvSpPr>
-          <p:cNvPr id="3" name="Content Placeholder 2"/>
-          <p:cNvSpPr>
-            <a:spLocks noGrp="1"/>
-          </p:cNvSpPr>
-          <p:nvPr>
-            <p:ph idx="1"/>
-          </p:nvPr>
-        </p:nvSpPr>
-        <p:spPr/>
-        <p:txBody>
-          <a:bodyPr/>
-          <a:lstStyle/>
-          <a:p>
-            <a:r>
-              <a:rPr lang="en-US" dirty="0" err="1"/>
-              <a:t>N_initial</a:t>
-            </a:r>
-            <a:r>
-              <a:rPr lang="en-US" dirty="0"/>
-              <a:t> = 112 </a:t>
-            </a:r>
-          </a:p>
-          <a:p>
-            <a:r>
-              <a:rPr lang="en-US" dirty="0" err="1"/>
+          <a:p>
+            <a:pPr marL="0" indent="0">
+              <a:buNone/>
+            </a:pPr>
+            <a:endParaRPr lang="en-US" dirty="0"/>
+          </a:p>
+          <a:p>
+            <a:r>
+              <a:rPr lang="en-US" dirty="0" err="1"/>
+              <a:t>bo_functions.py</a:t>
+            </a:r>
+            <a:r>
+              <a:rPr lang="en-US" dirty="0"/>
+              <a:t> (with two functions)</a:t>
+            </a:r>
+          </a:p>
+          <a:p>
+            <a:pPr lvl="1"/>
+            <a:r>
+              <a:rPr lang="en-US" dirty="0" err="1"/>
+              <a:t>training_fitness</a:t>
+            </a:r>
+            <a:r>
+              <a:rPr lang="en-US" dirty="0"/>
+              <a:t>(</a:t>
+            </a:r>
+            <a:r>
+              <a:rPr lang="en-US" dirty="0" err="1"/>
+              <a:t>X_initial,n_initial,num_weights</a:t>
+            </a:r>
+            <a:r>
+              <a:rPr lang="en-US" dirty="0"/>
+              <a:t>) – </a:t>
+            </a:r>
+            <a:r>
+              <a:rPr lang="en-US" i="1" dirty="0"/>
+              <a:t>for initial training data</a:t>
+            </a:r>
+            <a:endParaRPr lang="en-US" dirty="0"/>
+          </a:p>
+          <a:p>
+            <a:pPr lvl="1"/>
+            <a:endParaRPr lang="en-US" dirty="0"/>
+          </a:p>
+          <a:p>
+            <a:pPr lvl="1"/>
+            <a:r>
+              <a:rPr lang="en-US" dirty="0" err="1"/>
+              <a:t>y_query_max_sm</a:t>
+            </a:r>
+            <a:r>
+              <a:rPr lang="en-US" dirty="0"/>
+              <a:t>(</a:t>
+            </a:r>
+            <a:r>
+              <a:rPr lang="en-US" dirty="0" err="1"/>
+              <a:t>X_input,iter_count</a:t>
+            </a:r>
+            <a:r>
+              <a:rPr lang="en-US" dirty="0"/>
+              <a:t>, </a:t>
+            </a:r>
+            <a:r>
+              <a:rPr lang="en-US" dirty="0" err="1"/>
+              <a:t>num_weights</a:t>
+            </a:r>
+            <a:r>
+              <a:rPr lang="en-US" dirty="0"/>
+              <a:t>)–</a:t>
+            </a:r>
+            <a:r>
+              <a:rPr lang="en-US" i="1" dirty="0"/>
+              <a:t> for computation over each iteration (for </a:t>
+            </a:r>
+            <a:r>
+              <a:rPr lang="en-US" i="1" dirty="0" err="1"/>
+              <a:t>AvgRg</a:t>
+            </a:r>
+            <a:r>
+              <a:rPr lang="en-US" i="1" dirty="0"/>
+              <a:t> minimization)</a:t>
+            </a:r>
+          </a:p>
+          <a:p>
+            <a:pPr lvl="1"/>
+            <a:endParaRPr lang="en-US" i="1" dirty="0"/>
+          </a:p>
+          <a:p>
+            <a:pPr lvl="1"/>
+            <a:r>
+              <a:rPr lang="en-US" i="1" dirty="0" err="1"/>
+              <a:t>apply_single_mutation</a:t>
+            </a:r>
+            <a:r>
+              <a:rPr lang="en-US" i="1" dirty="0"/>
+              <a:t>(</a:t>
+            </a:r>
+            <a:r>
+              <a:rPr lang="en-US" i="1" dirty="0" err="1"/>
+              <a:t>oned_array_initial</a:t>
+            </a:r>
+            <a:r>
+              <a:rPr lang="en-US" i="1" dirty="0"/>
+              <a:t>, </a:t>
+            </a:r>
+            <a:r>
+              <a:rPr lang="en-US" i="1" dirty="0" err="1"/>
+              <a:t>num_weights</a:t>
+            </a:r>
+            <a:r>
+              <a:rPr lang="en-US" i="1" dirty="0"/>
+              <a:t>) – for </a:t>
+            </a:r>
+            <a:r>
+              <a:rPr lang="en-US" i="1" dirty="0" err="1"/>
+              <a:t>performining</a:t>
+            </a:r>
+            <a:r>
+              <a:rPr lang="en-US" i="1" dirty="0"/>
+              <a:t> the swapping of As and </a:t>
+            </a:r>
+            <a:r>
+              <a:rPr lang="en-US" i="1" dirty="0" err="1"/>
+              <a:t>Bs</a:t>
+            </a:r>
+            <a:r>
+              <a:rPr lang="en-US" i="1" dirty="0"/>
+              <a:t> at a particular location</a:t>
+            </a:r>
+          </a:p>
+          <a:p>
+            <a:pPr marL="457200" lvl="1" indent="0">
+              <a:buNone/>
+            </a:pPr>
+            <a:endParaRPr lang="en-US" i="1" dirty="0"/>
+          </a:p>
+          <a:p>
+            <a:pPr lvl="1"/>
+            <a:r>
+              <a:rPr lang="en-US" i="1" dirty="0" err="1"/>
+              <a:t>calc_cand_sm</a:t>
+            </a:r>
+            <a:r>
+              <a:rPr lang="en-US" i="1" dirty="0"/>
+              <a:t>(</a:t>
+            </a:r>
+            <a:r>
+              <a:rPr lang="en-US" i="1" dirty="0" err="1"/>
               <a:t>X_initial</a:t>
             </a:r>
             <a:r>
-              <a:rPr lang="en-US" dirty="0"/>
-              <a:t> (randomly picked collection of </a:t>
-            </a:r>
-            <a:r>
-              <a:rPr lang="en-US" dirty="0" err="1"/>
-              <a:t>N_initial</a:t>
-            </a:r>
-            <a:r>
-              <a:rPr lang="en-US" dirty="0"/>
-              <a:t> sequences)</a:t>
-            </a:r>
-          </a:p>
-          <a:p>
-            <a:r>
-              <a:rPr lang="en-US" dirty="0" err="1"/>
-              <a:t>y_initial</a:t>
-            </a:r>
-            <a:r>
-              <a:rPr lang="en-US" dirty="0"/>
-              <a:t> (the computed </a:t>
-            </a:r>
-            <a:r>
-              <a:rPr lang="en-US" dirty="0" err="1"/>
-              <a:t>Rg</a:t>
-            </a:r>
-            <a:r>
-              <a:rPr lang="en-US" dirty="0"/>
-              <a:t> value)</a:t>
+              <a:rPr lang="en-US" i="1" dirty="0"/>
+              <a:t>, </a:t>
+            </a:r>
+            <a:r>
+              <a:rPr lang="en-US" i="1" dirty="0" err="1"/>
+              <a:t>num_weights</a:t>
+            </a:r>
+            <a:r>
+              <a:rPr lang="en-US" i="1" dirty="0"/>
+              <a:t>) – for book-keeping purposes pertaining to the candidate pool</a:t>
             </a:r>
           </a:p>
         </p:txBody>
@@ -3771,7 +3863,7 @@
     </p:spTree>
     <p:extLst>
       <p:ext uri="{BB962C8B-B14F-4D97-AF65-F5344CB8AC3E}">
-        <p14:creationId xmlns:p14="http://schemas.microsoft.com/office/powerpoint/2010/main" val="957925869"/>
+        <p14:creationId xmlns:p14="http://schemas.microsoft.com/office/powerpoint/2010/main" val="2118471183"/>
       </p:ext>
     </p:extLst>
   </p:cSld>
@@ -3800,7 +3892,13 @@
       </p:grpSpPr>
       <p:sp>
         <p:nvSpPr>
-          <p:cNvPr id="2" name="Title 1"/>
+          <p:cNvPr id="2" name="Title 1">
+            <a:extLst>
+              <a:ext uri="{FF2B5EF4-FFF2-40B4-BE49-F238E27FC236}">
+                <a16:creationId xmlns:a16="http://schemas.microsoft.com/office/drawing/2014/main" id="{570DE4AB-83DD-7E4C-A4FD-4A5B47AB1FE5}"/>
+              </a:ext>
+            </a:extLst>
+          </p:cNvPr>
           <p:cNvSpPr>
             <a:spLocks noGrp="1"/>
           </p:cNvSpPr>
@@ -3810,277 +3908,137 @@
         </p:nvSpPr>
         <p:spPr/>
         <p:txBody>
+          <a:bodyPr/>
+          <a:lstStyle/>
+          <a:p>
+            <a:r>
+              <a:rPr lang="en-US" dirty="0"/>
+              <a:t>Step 1: Initializing the hyper-parameters</a:t>
+            </a:r>
+          </a:p>
+        </p:txBody>
+      </p:sp>
+      <p:sp>
+        <p:nvSpPr>
+          <p:cNvPr id="3" name="Content Placeholder 2">
+            <a:extLst>
+              <a:ext uri="{FF2B5EF4-FFF2-40B4-BE49-F238E27FC236}">
+                <a16:creationId xmlns:a16="http://schemas.microsoft.com/office/drawing/2014/main" id="{A77B50AE-D7B0-714A-A0D9-A1B7B88D263A}"/>
+              </a:ext>
+            </a:extLst>
+          </p:cNvPr>
+          <p:cNvSpPr>
+            <a:spLocks noGrp="1"/>
+          </p:cNvSpPr>
+          <p:nvPr>
+            <p:ph idx="1"/>
+          </p:nvPr>
+        </p:nvSpPr>
+        <p:spPr/>
+        <p:txBody>
           <a:bodyPr>
-            <a:normAutofit fontScale="90000"/>
+            <a:normAutofit fontScale="77500" lnSpcReduction="20000"/>
           </a:bodyPr>
           <a:lstStyle/>
           <a:p>
             <a:r>
-              <a:rPr lang="en-US" dirty="0"/>
-              <a:t>Step 3 – Computation of </a:t>
-            </a:r>
-            <a:r>
-              <a:rPr lang="en-US" dirty="0" err="1"/>
-              <a:t>y_initial</a:t>
-            </a:r>
-            <a:br>
-              <a:rPr lang="en-US" dirty="0"/>
-            </a:br>
+              <a:rPr lang="en-US" dirty="0" err="1"/>
+              <a:t>num_weights</a:t>
+            </a:r>
+            <a:r>
+              <a:rPr lang="en-US" dirty="0"/>
+              <a:t> = 100 (size of A-B 100-mer polymer sequence)</a:t>
+            </a:r>
+          </a:p>
+          <a:p>
             <a:r>
               <a:rPr lang="en-US" dirty="0" err="1"/>
               <a:t>n_initial</a:t>
             </a:r>
             <a:r>
               <a:rPr lang="en-US" dirty="0"/>
-              <a:t> fitness values to be computed </a:t>
-            </a:r>
-            <a:r>
-              <a:rPr lang="en-US" dirty="0" err="1"/>
-              <a:t>parallely</a:t>
-            </a:r>
+              <a:t> = 112 (number of polymers in the initial training set)</a:t>
+            </a:r>
+          </a:p>
+          <a:p>
             <a:endParaRPr lang="en-US" dirty="0"/>
           </a:p>
-        </p:txBody>
-      </p:sp>
-      <p:sp>
-        <p:nvSpPr>
-          <p:cNvPr id="3" name="Content Placeholder 2"/>
-          <p:cNvSpPr>
-            <a:spLocks noGrp="1"/>
-          </p:cNvSpPr>
-          <p:nvPr>
-            <p:ph idx="1"/>
-          </p:nvPr>
-        </p:nvSpPr>
-        <p:spPr/>
-        <p:txBody>
-          <a:bodyPr>
-            <a:normAutofit fontScale="92500" lnSpcReduction="20000"/>
-          </a:bodyPr>
-          <a:lstStyle/>
-          <a:p>
-            <a:pPr marL="0" indent="0">
-              <a:buNone/>
-            </a:pPr>
-            <a:r>
-              <a:rPr lang="en-US" dirty="0" err="1"/>
-              <a:t>y_initial</a:t>
-            </a:r>
-            <a:r>
-              <a:rPr lang="en-US" dirty="0"/>
-              <a:t> = </a:t>
-            </a:r>
-            <a:r>
-              <a:rPr lang="en-US" dirty="0" err="1"/>
-              <a:t>bo_functions.y_query_max_sm</a:t>
-            </a:r>
-            <a:r>
-              <a:rPr lang="en-US" dirty="0"/>
-              <a:t>(</a:t>
-            </a:r>
-            <a:r>
-              <a:rPr lang="en-US" dirty="0" err="1"/>
-              <a:t>X_initial</a:t>
-            </a:r>
-            <a:r>
-              <a:rPr lang="en-US" dirty="0"/>
-              <a:t>, </a:t>
-            </a:r>
-            <a:r>
-              <a:rPr lang="en-US" dirty="0" err="1"/>
-              <a:t>n_initial</a:t>
-            </a:r>
-            <a:r>
-              <a:rPr lang="en-US" dirty="0"/>
-              <a:t>, </a:t>
-            </a:r>
-            <a:r>
-              <a:rPr lang="en-US" dirty="0" err="1"/>
-              <a:t>num_weights</a:t>
-            </a:r>
-            <a:r>
-              <a:rPr lang="en-US" dirty="0"/>
-              <a:t>) </a:t>
-            </a:r>
-          </a:p>
-          <a:p>
-            <a:pPr marL="0" indent="0">
-              <a:buNone/>
-            </a:pPr>
-            <a:r>
-              <a:rPr lang="en-US" dirty="0"/>
-              <a:t>3.1) Storing the genes of </a:t>
-            </a:r>
-            <a:r>
-              <a:rPr lang="en-US" dirty="0" err="1"/>
-              <a:t>n_initial</a:t>
-            </a:r>
-            <a:r>
-              <a:rPr lang="en-US" dirty="0"/>
-              <a:t> points of </a:t>
-            </a:r>
-            <a:r>
-              <a:rPr lang="en-US" dirty="0" err="1"/>
-              <a:t>X_initial</a:t>
-            </a:r>
-            <a:r>
-              <a:rPr lang="en-US" dirty="0"/>
-              <a:t> in separate text files</a:t>
-            </a:r>
-          </a:p>
-          <a:p>
-            <a:pPr marL="0" indent="0">
-              <a:buNone/>
-            </a:pPr>
-            <a:r>
-              <a:rPr lang="en-US" dirty="0"/>
-              <a:t>3.2) Creating </a:t>
-            </a:r>
-            <a:r>
-              <a:rPr lang="en-US" dirty="0" err="1"/>
-              <a:t>n_initial</a:t>
-            </a:r>
-            <a:r>
-              <a:rPr lang="en-US" dirty="0"/>
-              <a:t> copies of .</a:t>
-            </a:r>
-            <a:r>
-              <a:rPr lang="en-US" dirty="0" err="1"/>
-              <a:t>cpp</a:t>
-            </a:r>
-            <a:r>
-              <a:rPr lang="en-US" dirty="0"/>
-              <a:t> files</a:t>
-            </a:r>
-          </a:p>
-          <a:p>
-            <a:pPr marL="457200" lvl="1" indent="0">
-              <a:buNone/>
-            </a:pPr>
-            <a:r>
-              <a:rPr lang="en-US" sz="2200" dirty="0"/>
-              <a:t>-for transformation of polymer1.data to new polymer2. data files</a:t>
-            </a:r>
-          </a:p>
-          <a:p>
-            <a:pPr marL="0" indent="0">
-              <a:buNone/>
-            </a:pPr>
-            <a:r>
-              <a:rPr lang="en-US" dirty="0"/>
-              <a:t>3.3) Creating </a:t>
-            </a:r>
-            <a:r>
-              <a:rPr lang="en-US" dirty="0" err="1"/>
-              <a:t>n_initial</a:t>
-            </a:r>
-            <a:r>
-              <a:rPr lang="en-US" dirty="0"/>
-              <a:t> number of </a:t>
-            </a:r>
-            <a:r>
-              <a:rPr lang="en-US" dirty="0" err="1"/>
-              <a:t>in.lammps</a:t>
-            </a:r>
-            <a:r>
-              <a:rPr lang="en-US" dirty="0"/>
-              <a:t> files</a:t>
-            </a:r>
-          </a:p>
-          <a:p>
-            <a:pPr marL="0" indent="0">
-              <a:buNone/>
-            </a:pPr>
-            <a:r>
-              <a:rPr lang="en-US" dirty="0"/>
-              <a:t>3.4) Running the </a:t>
-            </a:r>
-            <a:r>
-              <a:rPr lang="en-US" dirty="0" err="1"/>
-              <a:t>in.lammps</a:t>
-            </a:r>
-            <a:r>
-              <a:rPr lang="en-US" dirty="0"/>
-              <a:t> files to generate </a:t>
-            </a:r>
-            <a:r>
-              <a:rPr lang="en-US" dirty="0" err="1"/>
-              <a:t>n_initial</a:t>
-            </a:r>
-            <a:r>
-              <a:rPr lang="en-US" dirty="0"/>
-              <a:t> </a:t>
-            </a:r>
-            <a:r>
-              <a:rPr lang="en-US" dirty="0" err="1"/>
-              <a:t>Avg_Rg</a:t>
-            </a:r>
-            <a:r>
-              <a:rPr lang="en-US" dirty="0"/>
-              <a:t> files and dump files</a:t>
-            </a:r>
-          </a:p>
-          <a:p>
-            <a:pPr marL="0" indent="0">
-              <a:buNone/>
-            </a:pPr>
-            <a:r>
-              <a:rPr lang="en-US" sz="2200" dirty="0"/>
-              <a:t>      - using the new polymer2.data files</a:t>
-            </a:r>
-          </a:p>
-          <a:p>
-            <a:pPr marL="0" indent="0">
-              <a:buNone/>
-            </a:pPr>
-            <a:r>
-              <a:rPr lang="en-US" dirty="0"/>
-              <a:t>3.5) Reading the </a:t>
-            </a:r>
-            <a:r>
-              <a:rPr lang="en-US" dirty="0" err="1"/>
-              <a:t>Avg_Rg</a:t>
-            </a:r>
-            <a:r>
-              <a:rPr lang="en-US" dirty="0"/>
-              <a:t> files to obtain the fitness value.</a:t>
-            </a:r>
-          </a:p>
-          <a:p>
-            <a:pPr marL="0" indent="0">
-              <a:buNone/>
-            </a:pPr>
+          <a:p>
+            <a:r>
+              <a:rPr lang="en-US" dirty="0"/>
+              <a:t>#Sampling</a:t>
+            </a:r>
+          </a:p>
+          <a:p>
+            <a:r>
+              <a:rPr lang="en-US" dirty="0" err="1"/>
+              <a:t>n_sm</a:t>
+            </a:r>
+            <a:r>
+              <a:rPr lang="en-US" dirty="0"/>
+              <a:t> = 32 (number of candidates sampled by single-mutation)</a:t>
+            </a:r>
+          </a:p>
+          <a:p>
+            <a:r>
+              <a:rPr lang="en-US" dirty="0" err="1"/>
+              <a:t>n_dm</a:t>
+            </a:r>
+            <a:r>
+              <a:rPr lang="en-US" dirty="0"/>
+              <a:t> = 0 (number of candidates sampled by mutation at two locations)</a:t>
+            </a:r>
+          </a:p>
+          <a:p>
+            <a:r>
+              <a:rPr lang="en-US" dirty="0" err="1"/>
+              <a:t>n_sixm</a:t>
+            </a:r>
+            <a:r>
+              <a:rPr lang="en-US" dirty="0"/>
+              <a:t> = 0 (number of candidates sampled by mutation at six locations)</a:t>
+            </a:r>
+          </a:p>
+          <a:p>
             <a:endParaRPr lang="en-US" dirty="0"/>
           </a:p>
           <a:p>
-            <a:pPr marL="0" indent="0">
-              <a:buNone/>
-            </a:pPr>
-            <a:r>
-              <a:rPr lang="en-US" dirty="0"/>
-              <a:t>Thus the training data </a:t>
-            </a:r>
-            <a:r>
-              <a:rPr lang="en-US" dirty="0" err="1"/>
-              <a:t>X_initial</a:t>
-            </a:r>
-            <a:r>
-              <a:rPr lang="en-US" dirty="0"/>
-              <a:t> and </a:t>
-            </a:r>
-            <a:r>
-              <a:rPr lang="en-US" dirty="0" err="1"/>
-              <a:t>y_initial</a:t>
-            </a:r>
-            <a:r>
-              <a:rPr lang="en-US" dirty="0"/>
-              <a:t> would be ready.</a:t>
-            </a:r>
-          </a:p>
-          <a:p>
-            <a:pPr marL="0" indent="0">
-              <a:buNone/>
-            </a:pPr>
+            <a:r>
+              <a:rPr lang="en-US" dirty="0"/>
+              <a:t>#Active learning loop</a:t>
+            </a:r>
+          </a:p>
+          <a:p>
+            <a:r>
+              <a:rPr lang="en-US" dirty="0" err="1"/>
+              <a:t>n_queries_max</a:t>
+            </a:r>
+            <a:r>
+              <a:rPr lang="en-US" dirty="0"/>
+              <a:t> = 75</a:t>
+            </a:r>
+          </a:p>
+          <a:p>
+            <a:r>
+              <a:rPr lang="en-US" dirty="0" err="1"/>
+              <a:t>n_iterations</a:t>
+            </a:r>
+            <a:r>
+              <a:rPr lang="en-US" dirty="0"/>
+              <a:t> = 75</a:t>
+            </a:r>
+          </a:p>
+          <a:p>
+            <a:r>
+              <a:rPr lang="en-US" dirty="0" err="1"/>
+              <a:t>iter_count_max</a:t>
+            </a:r>
+            <a:r>
+              <a:rPr lang="en-US" dirty="0"/>
+              <a:t> = 0</a:t>
+            </a:r>
+          </a:p>
+          <a:p>
             <a:endParaRPr lang="en-US" dirty="0"/>
           </a:p>
         </p:txBody>
@@ -4088,7 +4046,7 @@
     </p:spTree>
     <p:extLst>
       <p:ext uri="{BB962C8B-B14F-4D97-AF65-F5344CB8AC3E}">
-        <p14:creationId xmlns:p14="http://schemas.microsoft.com/office/powerpoint/2010/main" val="538240296"/>
+        <p14:creationId xmlns:p14="http://schemas.microsoft.com/office/powerpoint/2010/main" val="3721951016"/>
       </p:ext>
     </p:extLst>
   </p:cSld>
@@ -4127,6 +4085,452 @@
         </p:nvSpPr>
         <p:spPr/>
         <p:txBody>
+          <a:bodyPr>
+            <a:normAutofit/>
+          </a:bodyPr>
+          <a:lstStyle/>
+          <a:p>
+            <a:r>
+              <a:rPr lang="en-US" dirty="0"/>
+              <a:t>Step 2: Defining Initial training set of </a:t>
+            </a:r>
+            <a:r>
+              <a:rPr lang="en-US" dirty="0" err="1"/>
+              <a:t>datapoints</a:t>
+            </a:r>
+            <a:r>
+              <a:rPr lang="en-US" dirty="0"/>
+              <a:t> of </a:t>
+            </a:r>
+            <a:r>
+              <a:rPr lang="en-US" dirty="0" err="1"/>
+              <a:t>N_initial</a:t>
+            </a:r>
+            <a:endParaRPr lang="en-US" dirty="0"/>
+          </a:p>
+        </p:txBody>
+      </p:sp>
+      <p:sp>
+        <p:nvSpPr>
+          <p:cNvPr id="3" name="Content Placeholder 2"/>
+          <p:cNvSpPr>
+            <a:spLocks noGrp="1"/>
+          </p:cNvSpPr>
+          <p:nvPr>
+            <p:ph idx="1"/>
+          </p:nvPr>
+        </p:nvSpPr>
+        <p:spPr/>
+        <p:txBody>
+          <a:bodyPr/>
+          <a:lstStyle/>
+          <a:p>
+            <a:r>
+              <a:rPr lang="en-US" dirty="0" err="1"/>
+              <a:t>N_initial</a:t>
+            </a:r>
+            <a:r>
+              <a:rPr lang="en-US" dirty="0"/>
+              <a:t> = 112 </a:t>
+            </a:r>
+          </a:p>
+          <a:p>
+            <a:r>
+              <a:rPr lang="en-US" dirty="0" err="1"/>
+              <a:t>X_initial</a:t>
+            </a:r>
+            <a:r>
+              <a:rPr lang="en-US" dirty="0"/>
+              <a:t> (randomly picked collection of </a:t>
+            </a:r>
+            <a:r>
+              <a:rPr lang="en-US" dirty="0" err="1"/>
+              <a:t>N_initial</a:t>
+            </a:r>
+            <a:r>
+              <a:rPr lang="en-US" dirty="0"/>
+              <a:t> sequences)</a:t>
+            </a:r>
+          </a:p>
+          <a:p>
+            <a:r>
+              <a:rPr lang="en-US" dirty="0" err="1"/>
+              <a:t>y_initial</a:t>
+            </a:r>
+            <a:r>
+              <a:rPr lang="en-US" dirty="0"/>
+              <a:t> (the computed </a:t>
+            </a:r>
+            <a:r>
+              <a:rPr lang="en-US" dirty="0" err="1"/>
+              <a:t>Rg</a:t>
+            </a:r>
+            <a:r>
+              <a:rPr lang="en-US" dirty="0"/>
+              <a:t> value)</a:t>
+            </a:r>
+          </a:p>
+        </p:txBody>
+      </p:sp>
+    </p:spTree>
+    <p:extLst>
+      <p:ext uri="{BB962C8B-B14F-4D97-AF65-F5344CB8AC3E}">
+        <p14:creationId xmlns:p14="http://schemas.microsoft.com/office/powerpoint/2010/main" val="957925869"/>
+      </p:ext>
+    </p:extLst>
+  </p:cSld>
+  <p:clrMapOvr>
+    <a:masterClrMapping/>
+  </p:clrMapOvr>
+</p:sld>
+</file>
+
+<file path=ppt/slides/slide6.xml><?xml version="1.0" encoding="utf-8"?>
+<p:sld xmlns:a="http://schemas.openxmlformats.org/drawingml/2006/main" xmlns:r="http://schemas.openxmlformats.org/officeDocument/2006/relationships" xmlns:p="http://schemas.openxmlformats.org/presentationml/2006/main">
+  <p:cSld>
+    <p:spTree>
+      <p:nvGrpSpPr>
+        <p:cNvPr id="1" name=""/>
+        <p:cNvGrpSpPr/>
+        <p:nvPr/>
+      </p:nvGrpSpPr>
+      <p:grpSpPr>
+        <a:xfrm>
+          <a:off x="0" y="0"/>
+          <a:ext cx="0" cy="0"/>
+          <a:chOff x="0" y="0"/>
+          <a:chExt cx="0" cy="0"/>
+        </a:xfrm>
+      </p:grpSpPr>
+      <p:sp>
+        <p:nvSpPr>
+          <p:cNvPr id="2" name="Title 1"/>
+          <p:cNvSpPr>
+            <a:spLocks noGrp="1"/>
+          </p:cNvSpPr>
+          <p:nvPr>
+            <p:ph type="title"/>
+          </p:nvPr>
+        </p:nvSpPr>
+        <p:spPr/>
+        <p:txBody>
+          <a:bodyPr>
+            <a:normAutofit fontScale="90000"/>
+          </a:bodyPr>
+          <a:lstStyle/>
+          <a:p>
+            <a:r>
+              <a:rPr lang="en-US" dirty="0"/>
+              <a:t>Step 3 – Computation of </a:t>
+            </a:r>
+            <a:r>
+              <a:rPr lang="en-US" dirty="0" err="1"/>
+              <a:t>y_initial</a:t>
+            </a:r>
+            <a:br>
+              <a:rPr lang="en-US" dirty="0"/>
+            </a:br>
+            <a:r>
+              <a:rPr lang="en-US" dirty="0" err="1"/>
+              <a:t>n_initial</a:t>
+            </a:r>
+            <a:r>
+              <a:rPr lang="en-US" dirty="0"/>
+              <a:t> fitness values to be computed </a:t>
+            </a:r>
+            <a:r>
+              <a:rPr lang="en-US" dirty="0" err="1"/>
+              <a:t>parallely</a:t>
+            </a:r>
+            <a:endParaRPr lang="en-US" dirty="0"/>
+          </a:p>
+        </p:txBody>
+      </p:sp>
+      <p:sp>
+        <p:nvSpPr>
+          <p:cNvPr id="3" name="Content Placeholder 2"/>
+          <p:cNvSpPr>
+            <a:spLocks noGrp="1"/>
+          </p:cNvSpPr>
+          <p:nvPr>
+            <p:ph idx="1"/>
+          </p:nvPr>
+        </p:nvSpPr>
+        <p:spPr/>
+        <p:txBody>
+          <a:bodyPr>
+            <a:normAutofit fontScale="92500" lnSpcReduction="20000"/>
+          </a:bodyPr>
+          <a:lstStyle/>
+          <a:p>
+            <a:pPr marL="0" indent="0">
+              <a:buNone/>
+            </a:pPr>
+            <a:r>
+              <a:rPr lang="en-US" dirty="0" err="1"/>
+              <a:t>y_initial</a:t>
+            </a:r>
+            <a:r>
+              <a:rPr lang="en-US" dirty="0"/>
+              <a:t> = </a:t>
+            </a:r>
+            <a:r>
+              <a:rPr lang="en-US" dirty="0" err="1"/>
+              <a:t>bo_functions.y_query_max_sm</a:t>
+            </a:r>
+            <a:r>
+              <a:rPr lang="en-US" dirty="0"/>
+              <a:t>(</a:t>
+            </a:r>
+            <a:r>
+              <a:rPr lang="en-US" dirty="0" err="1"/>
+              <a:t>X_initial</a:t>
+            </a:r>
+            <a:r>
+              <a:rPr lang="en-US" dirty="0"/>
+              <a:t>, </a:t>
+            </a:r>
+            <a:r>
+              <a:rPr lang="en-US" dirty="0" err="1"/>
+              <a:t>n_initial</a:t>
+            </a:r>
+            <a:r>
+              <a:rPr lang="en-US" dirty="0"/>
+              <a:t>, </a:t>
+            </a:r>
+            <a:r>
+              <a:rPr lang="en-US" dirty="0" err="1"/>
+              <a:t>num_weights</a:t>
+            </a:r>
+            <a:r>
+              <a:rPr lang="en-US" dirty="0"/>
+              <a:t>) </a:t>
+            </a:r>
+          </a:p>
+          <a:p>
+            <a:pPr marL="0" indent="0">
+              <a:buNone/>
+            </a:pPr>
+            <a:r>
+              <a:rPr lang="en-US" dirty="0"/>
+              <a:t>3.1) Storing the genes of </a:t>
+            </a:r>
+            <a:r>
+              <a:rPr lang="en-US" dirty="0" err="1"/>
+              <a:t>n_initial</a:t>
+            </a:r>
+            <a:r>
+              <a:rPr lang="en-US" dirty="0"/>
+              <a:t> points of </a:t>
+            </a:r>
+            <a:r>
+              <a:rPr lang="en-US" dirty="0" err="1"/>
+              <a:t>X_initial</a:t>
+            </a:r>
+            <a:r>
+              <a:rPr lang="en-US" dirty="0"/>
+              <a:t> in separate text files</a:t>
+            </a:r>
+          </a:p>
+          <a:p>
+            <a:pPr marL="0" indent="0">
+              <a:buNone/>
+            </a:pPr>
+            <a:r>
+              <a:rPr lang="en-US" dirty="0"/>
+              <a:t>3.2) Creating </a:t>
+            </a:r>
+            <a:r>
+              <a:rPr lang="en-US" dirty="0" err="1"/>
+              <a:t>n_initial</a:t>
+            </a:r>
+            <a:r>
+              <a:rPr lang="en-US" dirty="0"/>
+              <a:t> copies of .</a:t>
+            </a:r>
+            <a:r>
+              <a:rPr lang="en-US" dirty="0" err="1"/>
+              <a:t>cpp</a:t>
+            </a:r>
+            <a:r>
+              <a:rPr lang="en-US" dirty="0"/>
+              <a:t> files</a:t>
+            </a:r>
+          </a:p>
+          <a:p>
+            <a:pPr marL="457200" lvl="1" indent="0">
+              <a:buNone/>
+            </a:pPr>
+            <a:r>
+              <a:rPr lang="en-US" sz="2200" dirty="0"/>
+              <a:t>-for transformation of polymer1.data to new polymer2. data files</a:t>
+            </a:r>
+          </a:p>
+          <a:p>
+            <a:pPr marL="0" indent="0">
+              <a:buNone/>
+            </a:pPr>
+            <a:r>
+              <a:rPr lang="en-US" dirty="0"/>
+              <a:t>3.3) Creating </a:t>
+            </a:r>
+            <a:r>
+              <a:rPr lang="en-US" dirty="0" err="1"/>
+              <a:t>n_initial</a:t>
+            </a:r>
+            <a:r>
+              <a:rPr lang="en-US" dirty="0"/>
+              <a:t> number of </a:t>
+            </a:r>
+            <a:r>
+              <a:rPr lang="en-US" dirty="0" err="1"/>
+              <a:t>in.lammps</a:t>
+            </a:r>
+            <a:r>
+              <a:rPr lang="en-US" dirty="0"/>
+              <a:t> files</a:t>
+            </a:r>
+          </a:p>
+          <a:p>
+            <a:pPr marL="0" indent="0">
+              <a:buNone/>
+            </a:pPr>
+            <a:r>
+              <a:rPr lang="en-US" dirty="0"/>
+              <a:t>3.4) Running the </a:t>
+            </a:r>
+            <a:r>
+              <a:rPr lang="en-US" dirty="0" err="1"/>
+              <a:t>in.lammps</a:t>
+            </a:r>
+            <a:r>
+              <a:rPr lang="en-US" dirty="0"/>
+              <a:t> files to generate </a:t>
+            </a:r>
+            <a:r>
+              <a:rPr lang="en-US" dirty="0" err="1"/>
+              <a:t>n_initial</a:t>
+            </a:r>
+            <a:r>
+              <a:rPr lang="en-US" dirty="0"/>
+              <a:t> </a:t>
+            </a:r>
+            <a:r>
+              <a:rPr lang="en-US" dirty="0" err="1"/>
+              <a:t>Avg_Rg</a:t>
+            </a:r>
+            <a:r>
+              <a:rPr lang="en-US" dirty="0"/>
+              <a:t> files and dump files</a:t>
+            </a:r>
+          </a:p>
+          <a:p>
+            <a:pPr marL="0" indent="0">
+              <a:buNone/>
+            </a:pPr>
+            <a:r>
+              <a:rPr lang="en-US" sz="2200" dirty="0"/>
+              <a:t>      - using the new polymer2.data files</a:t>
+            </a:r>
+          </a:p>
+          <a:p>
+            <a:pPr marL="0" indent="0">
+              <a:buNone/>
+            </a:pPr>
+            <a:r>
+              <a:rPr lang="en-US" dirty="0"/>
+              <a:t>3.5) Reading the </a:t>
+            </a:r>
+            <a:r>
+              <a:rPr lang="en-US" dirty="0" err="1"/>
+              <a:t>Avg_Rg</a:t>
+            </a:r>
+            <a:r>
+              <a:rPr lang="en-US" dirty="0"/>
+              <a:t> files to obtain the fitness value.</a:t>
+            </a:r>
+          </a:p>
+          <a:p>
+            <a:pPr marL="0" indent="0">
+              <a:buNone/>
+            </a:pPr>
+            <a:endParaRPr lang="en-US" dirty="0"/>
+          </a:p>
+          <a:p>
+            <a:pPr marL="0" indent="0">
+              <a:buNone/>
+            </a:pPr>
+            <a:r>
+              <a:rPr lang="en-US" dirty="0"/>
+              <a:t>Thus the training data </a:t>
+            </a:r>
+            <a:r>
+              <a:rPr lang="en-US" dirty="0" err="1"/>
+              <a:t>X_initial</a:t>
+            </a:r>
+            <a:r>
+              <a:rPr lang="en-US" dirty="0"/>
+              <a:t> and </a:t>
+            </a:r>
+            <a:r>
+              <a:rPr lang="en-US" dirty="0" err="1"/>
+              <a:t>y_initial</a:t>
+            </a:r>
+            <a:r>
+              <a:rPr lang="en-US" dirty="0"/>
+              <a:t> would be ready.</a:t>
+            </a:r>
+          </a:p>
+          <a:p>
+            <a:pPr marL="0" indent="0">
+              <a:buNone/>
+            </a:pPr>
+            <a:endParaRPr lang="en-US" dirty="0"/>
+          </a:p>
+        </p:txBody>
+      </p:sp>
+    </p:spTree>
+    <p:extLst>
+      <p:ext uri="{BB962C8B-B14F-4D97-AF65-F5344CB8AC3E}">
+        <p14:creationId xmlns:p14="http://schemas.microsoft.com/office/powerpoint/2010/main" val="538240296"/>
+      </p:ext>
+    </p:extLst>
+  </p:cSld>
+  <p:clrMapOvr>
+    <a:masterClrMapping/>
+  </p:clrMapOvr>
+</p:sld>
+</file>
+
+<file path=ppt/slides/slide7.xml><?xml version="1.0" encoding="utf-8"?>
+<p:sld xmlns:a="http://schemas.openxmlformats.org/drawingml/2006/main" xmlns:r="http://schemas.openxmlformats.org/officeDocument/2006/relationships" xmlns:p="http://schemas.openxmlformats.org/presentationml/2006/main">
+  <p:cSld>
+    <p:spTree>
+      <p:nvGrpSpPr>
+        <p:cNvPr id="1" name=""/>
+        <p:cNvGrpSpPr/>
+        <p:nvPr/>
+      </p:nvGrpSpPr>
+      <p:grpSpPr>
+        <a:xfrm>
+          <a:off x="0" y="0"/>
+          <a:ext cx="0" cy="0"/>
+          <a:chOff x="0" y="0"/>
+          <a:chExt cx="0" cy="0"/>
+        </a:xfrm>
+      </p:grpSpPr>
+      <p:sp>
+        <p:nvSpPr>
+          <p:cNvPr id="2" name="Title 1"/>
+          <p:cNvSpPr>
+            <a:spLocks noGrp="1"/>
+          </p:cNvSpPr>
+          <p:nvPr>
+            <p:ph type="title"/>
+          </p:nvPr>
+        </p:nvSpPr>
+        <p:spPr/>
+        <p:txBody>
           <a:bodyPr/>
           <a:lstStyle/>
           <a:p>
@@ -4285,7 +4689,7 @@
 </p:sld>
 </file>
 
-<file path=ppt/slides/slide6.xml><?xml version="1.0" encoding="utf-8"?>
+<file path=ppt/slides/slide8.xml><?xml version="1.0" encoding="utf-8"?>
 <p:sld xmlns:a="http://schemas.openxmlformats.org/drawingml/2006/main" xmlns:r="http://schemas.openxmlformats.org/officeDocument/2006/relationships" xmlns:p="http://schemas.openxmlformats.org/presentationml/2006/main">
   <p:cSld>
     <p:spTree>
@@ -4367,7 +4771,7 @@
 </p:sld>
 </file>
 
-<file path=ppt/slides/slide7.xml><?xml version="1.0" encoding="utf-8"?>
+<file path=ppt/slides/slide9.xml><?xml version="1.0" encoding="utf-8"?>
 <p:sld xmlns:a="http://schemas.openxmlformats.org/drawingml/2006/main" xmlns:r="http://schemas.openxmlformats.org/officeDocument/2006/relationships" xmlns:p="http://schemas.openxmlformats.org/presentationml/2006/main">
   <p:cSld>
     <p:spTree>
@@ -4641,91 +5045,6 @@
     <p:extLst>
       <p:ext uri="{BB962C8B-B14F-4D97-AF65-F5344CB8AC3E}">
         <p14:creationId xmlns:p14="http://schemas.microsoft.com/office/powerpoint/2010/main" val="508829021"/>
-      </p:ext>
-    </p:extLst>
-  </p:cSld>
-  <p:clrMapOvr>
-    <a:masterClrMapping/>
-  </p:clrMapOvr>
-</p:sld>
-</file>
-
-<file path=ppt/slides/slide8.xml><?xml version="1.0" encoding="utf-8"?>
-<p:sld xmlns:a="http://schemas.openxmlformats.org/drawingml/2006/main" xmlns:r="http://schemas.openxmlformats.org/officeDocument/2006/relationships" xmlns:p="http://schemas.openxmlformats.org/presentationml/2006/main">
-  <p:cSld>
-    <p:spTree>
-      <p:nvGrpSpPr>
-        <p:cNvPr id="1" name=""/>
-        <p:cNvGrpSpPr/>
-        <p:nvPr/>
-      </p:nvGrpSpPr>
-      <p:grpSpPr>
-        <a:xfrm>
-          <a:off x="0" y="0"/>
-          <a:ext cx="0" cy="0"/>
-          <a:chOff x="0" y="0"/>
-          <a:chExt cx="0" cy="0"/>
-        </a:xfrm>
-      </p:grpSpPr>
-      <p:sp>
-        <p:nvSpPr>
-          <p:cNvPr id="2" name="Title 1"/>
-          <p:cNvSpPr>
-            <a:spLocks noGrp="1"/>
-          </p:cNvSpPr>
-          <p:nvPr>
-            <p:ph type="title"/>
-          </p:nvPr>
-        </p:nvSpPr>
-        <p:spPr/>
-        <p:txBody>
-          <a:bodyPr/>
-          <a:lstStyle/>
-          <a:p>
-            <a:r>
-              <a:rPr lang="en-US" dirty="0"/>
-              <a:t>Step 6 Printing the fitness values </a:t>
-            </a:r>
-            <a:r>
-              <a:rPr lang="en-US" dirty="0" err="1"/>
-              <a:t>obtianed</a:t>
-            </a:r>
-            <a:r>
-              <a:rPr lang="en-US" dirty="0"/>
-              <a:t> over 75 iterations</a:t>
-            </a:r>
-          </a:p>
-        </p:txBody>
-      </p:sp>
-      <p:sp>
-        <p:nvSpPr>
-          <p:cNvPr id="3" name="Content Placeholder 2"/>
-          <p:cNvSpPr>
-            <a:spLocks noGrp="1"/>
-          </p:cNvSpPr>
-          <p:nvPr>
-            <p:ph idx="1"/>
-          </p:nvPr>
-        </p:nvSpPr>
-        <p:spPr/>
-        <p:txBody>
-          <a:bodyPr/>
-          <a:lstStyle/>
-          <a:p>
-            <a:r>
-              <a:rPr lang="en-US" dirty="0"/>
-              <a:t>The fitness values computed over all the iterations are ready to be plotted in a graph.</a:t>
-            </a:r>
-          </a:p>
-          <a:p>
-            <a:endParaRPr lang="en-US" dirty="0"/>
-          </a:p>
-        </p:txBody>
-      </p:sp>
-    </p:spTree>
-    <p:extLst>
-      <p:ext uri="{BB962C8B-B14F-4D97-AF65-F5344CB8AC3E}">
-        <p14:creationId xmlns:p14="http://schemas.microsoft.com/office/powerpoint/2010/main" val="1269319107"/>
       </p:ext>
     </p:extLst>
   </p:cSld>
